--- a/translations/en-us/beginner/MovingStraight.pptx
+++ b/translations/en-us/beginner/MovingStraight.pptx
@@ -223,7 +223,7 @@
           <a:p>
             <a:fld id="{F8D9B3D7-15CB-9343-AA49-EFB5A8F33F18}" type="datetimeFigureOut">
               <a:rPr lang="en-US" smtClean="0"/>
-              <a:t>3/1/2015</a:t>
+              <a:t>11/14/15</a:t>
             </a:fld>
             <a:endParaRPr lang="en-US"/>
           </a:p>
@@ -389,7 +389,7 @@
           <a:p>
             <a:fld id="{FD3EFF1E-85A1-6640-AFB9-C38833E80A84}" type="datetimeFigureOut">
               <a:rPr lang="en-US" smtClean="0"/>
-              <a:t>3/1/2015</a:t>
+              <a:t>11/14/15</a:t>
             </a:fld>
             <a:endParaRPr lang="en-US"/>
           </a:p>
@@ -1019,7 +1019,7 @@
           <a:p>
             <a:fld id="{EA7574EA-D7A2-401A-B90D-756AB39A8824}" type="datetime1">
               <a:rPr lang="en-US" smtClean="0"/>
-              <a:t>3/1/2015</a:t>
+              <a:t>11/14/15</a:t>
             </a:fld>
             <a:endParaRPr lang="en-US"/>
           </a:p>
@@ -1325,7 +1325,7 @@
           <a:p>
             <a:fld id="{FAB2787E-F0BF-423E-AE3F-9E664DEC497A}" type="datetime1">
               <a:rPr lang="en-US" smtClean="0"/>
-              <a:t>3/1/2015</a:t>
+              <a:t>11/14/15</a:t>
             </a:fld>
             <a:endParaRPr lang="en-US"/>
           </a:p>
@@ -1512,7 +1512,7 @@
           <a:p>
             <a:fld id="{6EDF408C-5A53-4FCD-A257-C7A255C3FCB4}" type="datetime1">
               <a:rPr lang="en-US" smtClean="0"/>
-              <a:t>3/1/2015</a:t>
+              <a:t>11/14/15</a:t>
             </a:fld>
             <a:endParaRPr lang="en-US"/>
           </a:p>
@@ -1711,7 +1711,7 @@
           <a:p>
             <a:fld id="{500C56B8-2C4A-4427-9194-B7942E23CEF6}" type="datetime1">
               <a:rPr lang="en-US" smtClean="0"/>
-              <a:t>3/1/2015</a:t>
+              <a:t>11/14/15</a:t>
             </a:fld>
             <a:endParaRPr lang="en-US"/>
           </a:p>
@@ -1885,7 +1885,7 @@
           <a:p>
             <a:fld id="{31CFF7E8-6DF3-452E-98E1-043BD352EAC2}" type="datetime1">
               <a:rPr lang="en-US" smtClean="0"/>
-              <a:t>3/1/2015</a:t>
+              <a:t>11/14/15</a:t>
             </a:fld>
             <a:endParaRPr lang="en-US"/>
           </a:p>
@@ -2135,7 +2135,7 @@
           <a:p>
             <a:fld id="{F581DC25-26E8-4038-8761-6C992FA59ECD}" type="datetime1">
               <a:rPr lang="en-US" smtClean="0"/>
-              <a:t>3/1/2015</a:t>
+              <a:t>11/14/15</a:t>
             </a:fld>
             <a:endParaRPr lang="en-US"/>
           </a:p>
@@ -2371,7 +2371,7 @@
           <a:p>
             <a:fld id="{C57B073F-7209-405F-A1C9-33E0BFFCE146}" type="datetime1">
               <a:rPr lang="en-US" smtClean="0"/>
-              <a:t>3/1/2015</a:t>
+              <a:t>11/14/15</a:t>
             </a:fld>
             <a:endParaRPr lang="en-US"/>
           </a:p>
@@ -2742,7 +2742,7 @@
           <a:p>
             <a:fld id="{8D477B0F-F6A4-4909-A356-CBC663A75461}" type="datetime1">
               <a:rPr lang="en-US" smtClean="0"/>
-              <a:t>3/1/2015</a:t>
+              <a:t>11/14/15</a:t>
             </a:fld>
             <a:endParaRPr lang="en-US"/>
           </a:p>
@@ -2864,7 +2864,7 @@
           <a:p>
             <a:fld id="{4B6582FB-F219-4293-AF2F-B1E3F6E242AE}" type="datetime1">
               <a:rPr lang="en-US" smtClean="0"/>
-              <a:t>3/1/2015</a:t>
+              <a:t>11/14/15</a:t>
             </a:fld>
             <a:endParaRPr lang="en-US"/>
           </a:p>
@@ -2963,7 +2963,7 @@
           <a:p>
             <a:fld id="{14CA26D9-D3D8-4AEC-A550-4BFCCFD90D3C}" type="datetime1">
               <a:rPr lang="en-US" smtClean="0"/>
-              <a:t>3/1/2015</a:t>
+              <a:t>11/14/15</a:t>
             </a:fld>
             <a:endParaRPr lang="en-US"/>
           </a:p>
@@ -3244,7 +3244,7 @@
           <a:p>
             <a:fld id="{1DECDB46-DF12-4DA4-AF08-81E6AA1DB156}" type="datetime1">
               <a:rPr lang="en-US" smtClean="0"/>
-              <a:t>3/1/2015</a:t>
+              <a:t>11/14/15</a:t>
             </a:fld>
             <a:endParaRPr lang="en-US"/>
           </a:p>
@@ -3428,7 +3428,7 @@
           <a:p>
             <a:fld id="{CFFE1CFC-564B-4B21-BA32-CF9303F0D7DA}" type="datetime1">
               <a:rPr lang="en-US" smtClean="0"/>
-              <a:t>3/1/2015</a:t>
+              <a:t>11/14/15</a:t>
             </a:fld>
             <a:endParaRPr lang="en-US"/>
           </a:p>
@@ -3695,7 +3695,7 @@
           <a:p>
             <a:fld id="{66FBC534-9467-4877-A6C3-76EF44348F4E}" type="datetime1">
               <a:rPr lang="en-US" smtClean="0"/>
-              <a:t>3/1/2015</a:t>
+              <a:t>11/14/15</a:t>
             </a:fld>
             <a:endParaRPr lang="en-US"/>
           </a:p>
@@ -3869,7 +3869,7 @@
           <a:p>
             <a:fld id="{7D193263-3589-410E-9C30-A691118C0760}" type="datetime1">
               <a:rPr lang="en-US" smtClean="0"/>
-              <a:t>3/1/2015</a:t>
+              <a:t>11/14/15</a:t>
             </a:fld>
             <a:endParaRPr lang="en-US"/>
           </a:p>
@@ -4053,7 +4053,7 @@
           <a:p>
             <a:fld id="{EE8F6F07-2649-4A15-A224-57BCC99C2B8B}" type="datetime1">
               <a:rPr lang="en-US" smtClean="0"/>
-              <a:t>3/1/2015</a:t>
+              <a:t>11/14/15</a:t>
             </a:fld>
             <a:endParaRPr lang="en-US"/>
           </a:p>
@@ -4311,7 +4311,7 @@
           <a:p>
             <a:fld id="{63E4B494-B980-4208-A995-48A741468FAD}" type="datetime1">
               <a:rPr lang="en-US" smtClean="0"/>
-              <a:t>3/1/2015</a:t>
+              <a:t>11/14/15</a:t>
             </a:fld>
             <a:endParaRPr lang="en-US"/>
           </a:p>
@@ -4611,7 +4611,7 @@
           <a:p>
             <a:fld id="{8736B384-1B99-4A91-920D-76F2AA41ACA0}" type="datetime1">
               <a:rPr lang="en-US" smtClean="0"/>
-              <a:t>3/1/2015</a:t>
+              <a:t>11/14/15</a:t>
             </a:fld>
             <a:endParaRPr lang="en-US"/>
           </a:p>
@@ -5069,7 +5069,7 @@
           <a:p>
             <a:fld id="{D0657D72-C69C-4C97-9D4C-45D8B8C5F690}" type="datetime1">
               <a:rPr lang="en-US" smtClean="0"/>
-              <a:t>3/1/2015</a:t>
+              <a:t>11/14/15</a:t>
             </a:fld>
             <a:endParaRPr lang="en-US"/>
           </a:p>
@@ -5201,7 +5201,7 @@
           <a:p>
             <a:fld id="{D6740F06-CEED-401A-B72B-86A0177B0A2D}" type="datetime1">
               <a:rPr lang="en-US" smtClean="0"/>
-              <a:t>3/1/2015</a:t>
+              <a:t>11/14/15</a:t>
             </a:fld>
             <a:endParaRPr lang="en-US"/>
           </a:p>
@@ -5310,7 +5310,7 @@
           <a:p>
             <a:fld id="{DF2A91DA-3161-41D8-8DAE-AD7BB9B57546}" type="datetime1">
               <a:rPr lang="en-US" smtClean="0"/>
-              <a:t>3/1/2015</a:t>
+              <a:t>11/14/15</a:t>
             </a:fld>
             <a:endParaRPr lang="en-US"/>
           </a:p>
@@ -5564,7 +5564,7 @@
           <a:p>
             <a:fld id="{180186E5-51B9-41E4-9CE9-64A5AF7B1D72}" type="datetime1">
               <a:rPr lang="en-US" smtClean="0"/>
-              <a:t>3/1/2015</a:t>
+              <a:t>11/14/15</a:t>
             </a:fld>
             <a:endParaRPr lang="en-US"/>
           </a:p>
@@ -5870,7 +5870,7 @@
           <a:p>
             <a:fld id="{FC9140FD-C058-4F47-BF9B-90DB7CE15EE6}" type="datetime1">
               <a:rPr lang="en-US" smtClean="0"/>
-              <a:t>3/1/2015</a:t>
+              <a:t>11/14/15</a:t>
             </a:fld>
             <a:endParaRPr lang="en-US"/>
           </a:p>
@@ -6176,7 +6176,7 @@
           <a:p>
             <a:fld id="{E2E8AD45-AA82-415B-B1FF-D9E5A5D44D18}" type="datetime1">
               <a:rPr lang="en-US" smtClean="0"/>
-              <a:t>3/1/2015</a:t>
+              <a:t>11/14/15</a:t>
             </a:fld>
             <a:endParaRPr lang="en-US"/>
           </a:p>
@@ -6822,7 +6822,7 @@
           <a:p>
             <a:fld id="{20237B9D-7DE7-4F54-BC40-949648F963B7}" type="datetime1">
               <a:rPr lang="en-US" smtClean="0"/>
-              <a:t>3/1/2015</a:t>
+              <a:t>11/14/15</a:t>
             </a:fld>
             <a:endParaRPr lang="en-US"/>
           </a:p>
@@ -7280,8 +7280,8 @@
         </p:nvSpPr>
         <p:spPr>
           <a:xfrm>
-            <a:off x="1487501" y="5949643"/>
-            <a:ext cx="4750545" cy="523220"/>
+            <a:off x="1653180" y="5916605"/>
+            <a:ext cx="4750545" cy="461665"/>
           </a:xfrm>
           <a:prstGeom prst="rect">
             <a:avLst/>
@@ -7295,42 +7295,12 @@
           <a:lstStyle/>
           <a:p>
             <a:r>
-              <a:rPr lang="en-US" sz="2800" dirty="0" smtClean="0"/>
+              <a:rPr lang="en-US" sz="2400" dirty="0" smtClean="0"/>
               <a:t>By: Droids Robotics</a:t>
             </a:r>
           </a:p>
         </p:txBody>
       </p:sp>
-      <p:pic>
-        <p:nvPicPr>
-          <p:cNvPr id="3" name="Picture 2" descr="Droidslogo2.png"/>
-          <p:cNvPicPr>
-            <a:picLocks noChangeAspect="1"/>
-          </p:cNvPicPr>
-          <p:nvPr/>
-        </p:nvPicPr>
-        <p:blipFill>
-          <a:blip r:embed="rId3">
-            <a:extLst>
-              <a:ext uri="{28A0092B-C50C-407E-A947-70E740481C1C}">
-                <a14:useLocalDpi xmlns:a14="http://schemas.microsoft.com/office/drawing/2010/main"/>
-              </a:ext>
-            </a:extLst>
-          </a:blip>
-          <a:stretch>
-            <a:fillRect/>
-          </a:stretch>
-        </p:blipFill>
-        <p:spPr>
-          <a:xfrm>
-            <a:off x="402306" y="5456830"/>
-            <a:ext cx="1085195" cy="1085195"/>
-          </a:xfrm>
-          <a:prstGeom prst="rect">
-            <a:avLst/>
-          </a:prstGeom>
-        </p:spPr>
-      </p:pic>
       <p:sp>
         <p:nvSpPr>
           <p:cNvPr id="4" name="TextBox 3"/>
@@ -7383,7 +7353,7 @@
           <p:nvPr/>
         </p:nvPicPr>
         <p:blipFill>
-          <a:blip r:embed="rId4">
+          <a:blip r:embed="rId3">
             <a:extLst>
               <a:ext uri="{28A0092B-C50C-407E-A947-70E740481C1C}">
                 <a14:useLocalDpi xmlns:a14="http://schemas.microsoft.com/office/drawing/2010/main"/>
@@ -7406,13 +7376,43 @@
           <a:noFill/>
           <a:extLst>
             <a:ext uri="{909E8E84-426E-40dd-AFC4-6F175D3DCCD1}">
-              <a14:hiddenFill xmlns:a14="http://schemas.microsoft.com/office/drawing/2010/main" xmlns="">
+              <a14:hiddenFill xmlns="" xmlns:a14="http://schemas.microsoft.com/office/drawing/2010/main">
                 <a:solidFill>
                   <a:srgbClr val="FFFFFF"/>
                 </a:solidFill>
               </a14:hiddenFill>
             </a:ext>
           </a:extLst>
+        </p:spPr>
+      </p:pic>
+      <p:pic>
+        <p:nvPicPr>
+          <p:cNvPr id="5" name="Picture 4"/>
+          <p:cNvPicPr>
+            <a:picLocks noChangeAspect="1"/>
+          </p:cNvPicPr>
+          <p:nvPr/>
+        </p:nvPicPr>
+        <p:blipFill>
+          <a:blip r:embed="rId4">
+            <a:extLst>
+              <a:ext uri="{28A0092B-C50C-407E-A947-70E740481C1C}">
+                <a14:useLocalDpi xmlns:a14="http://schemas.microsoft.com/office/drawing/2010/main" val="0"/>
+              </a:ext>
+            </a:extLst>
+          </a:blip>
+          <a:stretch>
+            <a:fillRect/>
+          </a:stretch>
+        </p:blipFill>
+        <p:spPr>
+          <a:xfrm>
+            <a:off x="402305" y="5181600"/>
+            <a:ext cx="1250875" cy="1196670"/>
+          </a:xfrm>
+          <a:prstGeom prst="rect">
+            <a:avLst/>
+          </a:prstGeom>
         </p:spPr>
       </p:pic>
     </p:spTree>
@@ -8445,7 +8445,7 @@
           <a:effectLst/>
           <a:extLst>
             <a:ext uri="{91240B29-F687-4f45-9708-019B960494DF}">
-              <a14:hiddenLine xmlns:a14="http://schemas.microsoft.com/office/drawing/2010/main" xmlns="" w="9525">
+              <a14:hiddenLine xmlns="" xmlns:a14="http://schemas.microsoft.com/office/drawing/2010/main" w="9525">
                 <a:solidFill>
                   <a:schemeClr val="tx1"/>
                 </a:solidFill>
@@ -8455,7 +8455,7 @@
               </a14:hiddenLine>
             </a:ext>
             <a:ext uri="{AF507438-7753-43e0-B8FC-AC1667EBCBE1}">
-              <a14:hiddenEffects xmlns:a14="http://schemas.microsoft.com/office/drawing/2010/main" xmlns="">
+              <a14:hiddenEffects xmlns="" xmlns:a14="http://schemas.microsoft.com/office/drawing/2010/main">
                 <a:effectLst>
                   <a:outerShdw dist="35921" dir="2700000" algn="ctr" rotWithShape="0">
                     <a:schemeClr val="bg2"/>
@@ -8808,7 +8808,7 @@
           <a:noFill/>
           <a:extLst>
             <a:ext uri="{909E8E84-426E-40dd-AFC4-6F175D3DCCD1}">
-              <a14:hiddenFill xmlns:a14="http://schemas.microsoft.com/office/drawing/2010/main" xmlns="">
+              <a14:hiddenFill xmlns="" xmlns:a14="http://schemas.microsoft.com/office/drawing/2010/main">
                 <a:solidFill>
                   <a:srgbClr val="FFFFFF"/>
                 </a:solidFill>
@@ -9133,11 +9133,7 @@
           <a:p>
             <a:r>
               <a:rPr lang="en-US" dirty="0" smtClean="0"/>
-              <a:t>Move STEERING </a:t>
-            </a:r>
-            <a:r>
-              <a:rPr lang="en-US" dirty="0" smtClean="0"/>
-              <a:t>Block </a:t>
+              <a:t>Move STEERING Block </a:t>
             </a:r>
             <a:endParaRPr lang="en-US" dirty="0"/>
           </a:p>

--- a/translations/en-us/beginner/MovingStraight.pptx
+++ b/translations/en-us/beginner/MovingStraight.pptx
@@ -224,7 +224,7 @@
           <a:p>
             <a:fld id="{F8D9B3D7-15CB-9343-AA49-EFB5A8F33F18}" type="datetimeFigureOut">
               <a:rPr lang="en-US" smtClean="0"/>
-              <a:t>7/4/16</a:t>
+              <a:t>7/19/16</a:t>
             </a:fld>
             <a:endParaRPr lang="en-US"/>
           </a:p>
@@ -390,7 +390,7 @@
           <a:p>
             <a:fld id="{FD3EFF1E-85A1-6640-AFB9-C38833E80A84}" type="datetimeFigureOut">
               <a:rPr lang="en-US" smtClean="0"/>
-              <a:t>7/4/16</a:t>
+              <a:t>7/19/16</a:t>
             </a:fld>
             <a:endParaRPr lang="en-US"/>
           </a:p>
@@ -958,7 +958,7 @@
           <a:p>
             <a:fld id="{3FEC7174-A25C-A74F-B195-6B8E1AC2A68D}" type="datetime1">
               <a:rPr lang="en-US" smtClean="0"/>
-              <a:t>7/4/16</a:t>
+              <a:t>7/19/16</a:t>
             </a:fld>
             <a:endParaRPr lang="en-US"/>
           </a:p>
@@ -1132,7 +1132,7 @@
           <a:p>
             <a:fld id="{D8928325-3ED5-B945-9187-1ED8C20F4303}" type="datetime1">
               <a:rPr lang="en-US" smtClean="0"/>
-              <a:t>7/4/16</a:t>
+              <a:t>7/19/16</a:t>
             </a:fld>
             <a:endParaRPr lang="en-US"/>
           </a:p>
@@ -1316,7 +1316,7 @@
           <a:p>
             <a:fld id="{E841BE2D-04E1-644D-873D-52B4FD8F9D27}" type="datetime1">
               <a:rPr lang="en-US" smtClean="0"/>
-              <a:t>7/4/16</a:t>
+              <a:t>7/19/16</a:t>
             </a:fld>
             <a:endParaRPr lang="en-US"/>
           </a:p>
@@ -1533,7 +1533,7 @@
           <a:p>
             <a:fld id="{D30E4D03-9297-C94D-AC33-7500008EC0FF}" type="datetime1">
               <a:rPr lang="en-US" smtClean="0"/>
-              <a:t>7/4/16</a:t>
+              <a:t>7/19/16</a:t>
             </a:fld>
             <a:endParaRPr lang="en-US"/>
           </a:p>
@@ -1752,7 +1752,7 @@
           <a:noFill/>
           <a:extLst>
             <a:ext uri="{909E8E84-426E-40dd-AFC4-6F175D3DCCD1}">
-              <a14:hiddenFill xmlns="" xmlns:a14="http://schemas.microsoft.com/office/drawing/2010/main">
+              <a14:hiddenFill xmlns:a14="http://schemas.microsoft.com/office/drawing/2010/main" xmlns="">
                 <a:solidFill>
                   <a:srgbClr val="FFFFFF"/>
                 </a:solidFill>
@@ -2084,7 +2084,7 @@
           <a:p>
             <a:fld id="{7410621D-CD1E-5641-AA15-EEB3A9BA34AD}" type="datetime1">
               <a:rPr lang="en-US" smtClean="0"/>
-              <a:t>7/4/16</a:t>
+              <a:t>7/19/16</a:t>
             </a:fld>
             <a:endParaRPr lang="en-US"/>
           </a:p>
@@ -2357,7 +2357,7 @@
           <a:p>
             <a:fld id="{0AD53D34-E5FF-E942-A32D-A80347408D78}" type="datetime1">
               <a:rPr lang="en-US" smtClean="0"/>
-              <a:t>7/4/16</a:t>
+              <a:t>7/19/16</a:t>
             </a:fld>
             <a:endParaRPr lang="en-US"/>
           </a:p>
@@ -2662,7 +2662,7 @@
           <a:p>
             <a:fld id="{9BFF74C9-B4DA-AC49-B742-FF1A1E2BC1CD}" type="datetime1">
               <a:rPr lang="en-US" smtClean="0"/>
-              <a:t>7/4/16</a:t>
+              <a:t>7/19/16</a:t>
             </a:fld>
             <a:endParaRPr lang="en-US"/>
           </a:p>
@@ -3125,7 +3125,7 @@
           <a:p>
             <a:fld id="{94B58BF8-C1B4-4B48-94A4-D92D4363FB51}" type="datetime1">
               <a:rPr lang="en-US" smtClean="0"/>
-              <a:t>7/4/16</a:t>
+              <a:t>7/19/16</a:t>
             </a:fld>
             <a:endParaRPr lang="en-US"/>
           </a:p>
@@ -3262,7 +3262,7 @@
           <a:p>
             <a:fld id="{084C3715-4463-8644-A1D0-FE73797191F9}" type="datetime1">
               <a:rPr lang="en-US" smtClean="0"/>
-              <a:t>7/4/16</a:t>
+              <a:t>7/19/16</a:t>
             </a:fld>
             <a:endParaRPr lang="en-US"/>
           </a:p>
@@ -3376,7 +3376,7 @@
           <a:p>
             <a:fld id="{8E1F63D4-CF6D-0A43-9BC5-31A814569A5F}" type="datetime1">
               <a:rPr lang="en-US" smtClean="0"/>
-              <a:t>7/4/16</a:t>
+              <a:t>7/19/16</a:t>
             </a:fld>
             <a:endParaRPr lang="en-US"/>
           </a:p>
@@ -3635,7 +3635,7 @@
           <a:p>
             <a:fld id="{88894B80-6E5C-A94B-9076-29F23DCD28A0}" type="datetime1">
               <a:rPr lang="en-US" smtClean="0"/>
-              <a:t>7/4/16</a:t>
+              <a:t>7/19/16</a:t>
             </a:fld>
             <a:endParaRPr lang="en-US"/>
           </a:p>
@@ -3840,7 +3840,7 @@
           <a:p>
             <a:fld id="{F405603C-C0DF-A24E-B25C-2C19E16B7311}" type="datetime1">
               <a:rPr lang="en-US" smtClean="0"/>
-              <a:t>7/4/16</a:t>
+              <a:t>7/19/16</a:t>
             </a:fld>
             <a:endParaRPr lang="en-US"/>
           </a:p>
@@ -4120,7 +4120,7 @@
           <a:p>
             <a:fld id="{C9D8C9F1-B227-2D4A-BE1F-53D87D0F8F36}" type="datetime1">
               <a:rPr lang="en-US" smtClean="0"/>
-              <a:t>7/4/16</a:t>
+              <a:t>7/19/16</a:t>
             </a:fld>
             <a:endParaRPr lang="en-US"/>
           </a:p>
@@ -4390,7 +4390,7 @@
           <a:p>
             <a:fld id="{BFA1F6C0-8FC8-6E4E-8666-9E6C30E40363}" type="datetime1">
               <a:rPr lang="en-US" smtClean="0"/>
-              <a:t>7/4/16</a:t>
+              <a:t>7/19/16</a:t>
             </a:fld>
             <a:endParaRPr lang="en-US"/>
           </a:p>
@@ -4582,7 +4582,7 @@
           <a:p>
             <a:fld id="{8CFED2DC-CC6E-3248-9E45-21A0C7707BE8}" type="datetime1">
               <a:rPr lang="en-US" smtClean="0"/>
-              <a:t>7/4/16</a:t>
+              <a:t>7/19/16</a:t>
             </a:fld>
             <a:endParaRPr lang="en-US"/>
           </a:p>
@@ -4786,7 +4786,7 @@
           <a:p>
             <a:fld id="{DDEDC473-6410-B149-B5C7-3F5C9F517368}" type="datetime1">
               <a:rPr lang="en-US" smtClean="0"/>
-              <a:t>7/4/16</a:t>
+              <a:t>7/19/16</a:t>
             </a:fld>
             <a:endParaRPr lang="en-US"/>
           </a:p>
@@ -4960,7 +4960,7 @@
           <a:p>
             <a:fld id="{B68FBA09-08F1-4C48-82F3-91A031992A42}" type="datetime1">
               <a:rPr lang="en-US" smtClean="0"/>
-              <a:t>7/4/16</a:t>
+              <a:t>7/19/16</a:t>
             </a:fld>
             <a:endParaRPr lang="en-US"/>
           </a:p>
@@ -5210,7 +5210,7 @@
           <a:p>
             <a:fld id="{2B907CD9-D452-244A-8FEC-4EC5ECD95616}" type="datetime1">
               <a:rPr lang="en-US" smtClean="0"/>
-              <a:t>7/4/16</a:t>
+              <a:t>7/19/16</a:t>
             </a:fld>
             <a:endParaRPr lang="en-US"/>
           </a:p>
@@ -5446,7 +5446,7 @@
           <a:p>
             <a:fld id="{943AA925-D80E-9040-997F-396850792169}" type="datetime1">
               <a:rPr lang="en-US" smtClean="0"/>
-              <a:t>7/4/16</a:t>
+              <a:t>7/19/16</a:t>
             </a:fld>
             <a:endParaRPr lang="en-US"/>
           </a:p>
@@ -5817,7 +5817,7 @@
           <a:p>
             <a:fld id="{6BD59B13-A3BD-604C-AAD2-874DAC198163}" type="datetime1">
               <a:rPr lang="en-US" smtClean="0"/>
-              <a:t>7/4/16</a:t>
+              <a:t>7/19/16</a:t>
             </a:fld>
             <a:endParaRPr lang="en-US"/>
           </a:p>
@@ -5939,7 +5939,7 @@
           <a:p>
             <a:fld id="{B4A3FC12-B939-FC44-BE42-1D28AD6A0A8D}" type="datetime1">
               <a:rPr lang="en-US" smtClean="0"/>
-              <a:t>7/4/16</a:t>
+              <a:t>7/19/16</a:t>
             </a:fld>
             <a:endParaRPr lang="en-US"/>
           </a:p>
@@ -6038,7 +6038,7 @@
           <a:p>
             <a:fld id="{D1CC8CFD-155C-5244-8043-9CAD19206E82}" type="datetime1">
               <a:rPr lang="en-US" smtClean="0"/>
-              <a:t>7/4/16</a:t>
+              <a:t>7/19/16</a:t>
             </a:fld>
             <a:endParaRPr lang="en-US"/>
           </a:p>
@@ -6288,7 +6288,7 @@
           <a:p>
             <a:fld id="{FA667C0C-7FF6-FB4C-8F69-C018F7814356}" type="datetime1">
               <a:rPr lang="en-US" smtClean="0"/>
-              <a:t>7/4/16</a:t>
+              <a:t>7/19/16</a:t>
             </a:fld>
             <a:endParaRPr lang="en-US"/>
           </a:p>
@@ -6569,7 +6569,7 @@
           <a:p>
             <a:fld id="{E449BD62-6B18-1F4E-81FD-C973BC19C6B0}" type="datetime1">
               <a:rPr lang="en-US" smtClean="0"/>
-              <a:t>7/4/16</a:t>
+              <a:t>7/19/16</a:t>
             </a:fld>
             <a:endParaRPr lang="en-US"/>
           </a:p>
@@ -6830,7 +6830,7 @@
           <a:p>
             <a:fld id="{B50DF02F-B5C4-3E4B-8F4B-878D3DA99A27}" type="datetime1">
               <a:rPr lang="en-US" smtClean="0"/>
-              <a:t>7/4/16</a:t>
+              <a:t>7/19/16</a:t>
             </a:fld>
             <a:endParaRPr lang="en-US"/>
           </a:p>
@@ -7004,7 +7004,7 @@
           <a:p>
             <a:fld id="{383ACFBE-1D54-A647-BC21-E95ADAE860EA}" type="datetime1">
               <a:rPr lang="en-US" smtClean="0"/>
-              <a:t>7/4/16</a:t>
+              <a:t>7/19/16</a:t>
             </a:fld>
             <a:endParaRPr lang="en-US"/>
           </a:p>
@@ -7188,7 +7188,7 @@
           <a:p>
             <a:fld id="{C3765193-86A2-1F43-B0A3-6942DB1A5B5E}" type="datetime1">
               <a:rPr lang="en-US" smtClean="0"/>
-              <a:t>7/4/16</a:t>
+              <a:t>7/19/16</a:t>
             </a:fld>
             <a:endParaRPr lang="en-US"/>
           </a:p>
@@ -7424,7 +7424,7 @@
           <a:p>
             <a:fld id="{2261691A-1248-2D42-8292-5FBAC39A5A0B}" type="datetime1">
               <a:rPr lang="en-US" smtClean="0"/>
-              <a:t>7/4/16</a:t>
+              <a:t>7/19/16</a:t>
             </a:fld>
             <a:endParaRPr lang="en-US"/>
           </a:p>
@@ -7795,7 +7795,7 @@
           <a:p>
             <a:fld id="{05AB031B-1017-4E49-B6BD-8FC6C8672D02}" type="datetime1">
               <a:rPr lang="en-US" smtClean="0"/>
-              <a:t>7/4/16</a:t>
+              <a:t>7/19/16</a:t>
             </a:fld>
             <a:endParaRPr lang="en-US"/>
           </a:p>
@@ -7917,7 +7917,7 @@
           <a:p>
             <a:fld id="{EE7E9721-D4B5-9D49-ABDE-00B705A6F786}" type="datetime1">
               <a:rPr lang="en-US" smtClean="0"/>
-              <a:t>7/4/16</a:t>
+              <a:t>7/19/16</a:t>
             </a:fld>
             <a:endParaRPr lang="en-US"/>
           </a:p>
@@ -8016,7 +8016,7 @@
           <a:p>
             <a:fld id="{96AA1E11-337E-4841-87D3-831135E22F91}" type="datetime1">
               <a:rPr lang="en-US" smtClean="0"/>
-              <a:t>7/4/16</a:t>
+              <a:t>7/19/16</a:t>
             </a:fld>
             <a:endParaRPr lang="en-US"/>
           </a:p>
@@ -8297,7 +8297,7 @@
           <a:p>
             <a:fld id="{B5648895-2B14-664A-BFCF-B4A2742562B9}" type="datetime1">
               <a:rPr lang="en-US" smtClean="0"/>
-              <a:t>7/4/16</a:t>
+              <a:t>7/19/16</a:t>
             </a:fld>
             <a:endParaRPr lang="en-US"/>
           </a:p>
@@ -8554,7 +8554,7 @@
           <a:p>
             <a:fld id="{3725D90E-EF1A-5345-B416-E84410829A9F}" type="datetime1">
               <a:rPr lang="en-US" smtClean="0"/>
-              <a:t>7/4/16</a:t>
+              <a:t>7/19/16</a:t>
             </a:fld>
             <a:endParaRPr lang="en-US"/>
           </a:p>
@@ -8771,7 +8771,7 @@
           <a:p>
             <a:fld id="{57E8D9FD-E7EC-A74F-BBCC-F8007A6640BD}" type="datetime1">
               <a:rPr lang="en-US" smtClean="0"/>
-              <a:t>7/4/16</a:t>
+              <a:t>7/19/16</a:t>
             </a:fld>
             <a:endParaRPr lang="en-US"/>
           </a:p>
@@ -9314,7 +9314,7 @@
           <a:p>
             <a:fld id="{186554D5-73D9-DC48-A6E7-41F3C6D9C61A}" type="datetime1">
               <a:rPr lang="en-US" smtClean="0"/>
-              <a:t>7/4/16</a:t>
+              <a:t>7/19/16</a:t>
             </a:fld>
             <a:endParaRPr lang="en-US"/>
           </a:p>
@@ -10079,7 +10079,7 @@
           <a:p>
             <a:fld id="{C65B016F-0801-3243-A8F3-6CE008237D50}" type="datetime1">
               <a:rPr lang="en-US" smtClean="0"/>
-              <a:t>7/4/16</a:t>
+              <a:t>7/19/16</a:t>
             </a:fld>
             <a:endParaRPr lang="en-US"/>
           </a:p>
@@ -10536,6 +10536,35 @@
           </a:p>
         </p:txBody>
       </p:sp>
+      <p:pic>
+        <p:nvPicPr>
+          <p:cNvPr id="4" name="Picture 3"/>
+          <p:cNvPicPr>
+            <a:picLocks noChangeAspect="1"/>
+          </p:cNvPicPr>
+          <p:nvPr/>
+        </p:nvPicPr>
+        <p:blipFill rotWithShape="1">
+          <a:blip r:embed="rId3">
+            <a:extLst>
+              <a:ext uri="{28A0092B-C50C-407E-A947-70E740481C1C}">
+                <a14:useLocalDpi xmlns:a14="http://schemas.microsoft.com/office/drawing/2010/main" val="0"/>
+              </a:ext>
+            </a:extLst>
+          </a:blip>
+          <a:srcRect l="4523" t="17619" r="3095" b="25000"/>
+          <a:stretch/>
+        </p:blipFill>
+        <p:spPr>
+          <a:xfrm>
+            <a:off x="3711108" y="4592409"/>
+            <a:ext cx="1700816" cy="1056435"/>
+          </a:xfrm>
+          <a:prstGeom prst="rect">
+            <a:avLst/>
+          </a:prstGeom>
+        </p:spPr>
+      </p:pic>
     </p:spTree>
     <p:extLst>
       <p:ext uri="{BB962C8B-B14F-4D97-AF65-F5344CB8AC3E}">
@@ -10853,11 +10882,7 @@
           <a:p>
             <a:r>
               <a:rPr lang="en-US" sz="1700" dirty="0" smtClean="0"/>
-              <a:t>In this lesson, you </a:t>
-            </a:r>
-            <a:r>
-              <a:rPr lang="en-US" sz="1700" dirty="0" smtClean="0"/>
-              <a:t>had to use a lot of guess and check to stop exactly on the second line.</a:t>
+              <a:t>In this lesson, you had to use a lot of guess and check to stop exactly on the second line.</a:t>
             </a:r>
             <a:endParaRPr lang="en-US" sz="2200" dirty="0">
               <a:solidFill>
@@ -11780,17 +11805,8 @@
             </a:pPr>
             <a:r>
               <a:rPr lang="en-US" sz="1800" dirty="0" smtClean="0"/>
-              <a:t>More </a:t>
-            </a:r>
-            <a:r>
-              <a:rPr lang="en-US" sz="1800" dirty="0" smtClean="0"/>
-              <a:t>lessons are available at </a:t>
-            </a:r>
-            <a:r>
-              <a:rPr lang="en-US" sz="1800" dirty="0" smtClean="0"/>
-              <a:t>www.ev3lessons.com</a:t>
-            </a:r>
-            <a:endParaRPr lang="en-US" sz="1800" dirty="0" smtClean="0"/>
+              <a:t>More lessons are available at www.ev3lessons.com</a:t>
+            </a:r>
           </a:p>
         </p:txBody>
       </p:sp>
@@ -11819,7 +11835,7 @@
           <a:effectLst/>
           <a:extLst>
             <a:ext uri="{91240B29-F687-4f45-9708-019B960494DF}">
-              <a14:hiddenLine xmlns:a14="http://schemas.microsoft.com/office/drawing/2010/main" xmlns="" w="9525">
+              <a14:hiddenLine xmlns="" xmlns:a14="http://schemas.microsoft.com/office/drawing/2010/main" w="9525">
                 <a:solidFill>
                   <a:schemeClr val="tx1"/>
                 </a:solidFill>
@@ -11829,7 +11845,7 @@
               </a14:hiddenLine>
             </a:ext>
             <a:ext uri="{AF507438-7753-43e0-B8FC-AC1667EBCBE1}">
-              <a14:hiddenEffects xmlns:a14="http://schemas.microsoft.com/office/drawing/2010/main" xmlns="">
+              <a14:hiddenEffects xmlns="" xmlns:a14="http://schemas.microsoft.com/office/drawing/2010/main">
                 <a:effectLst>
                   <a:outerShdw dist="35921" dir="2700000" algn="ctr" rotWithShape="0">
                     <a:schemeClr val="bg2"/>
@@ -12182,7 +12198,7 @@
           <a:noFill/>
           <a:extLst>
             <a:ext uri="{909E8E84-426E-40dd-AFC4-6F175D3DCCD1}">
-              <a14:hiddenFill xmlns:a14="http://schemas.microsoft.com/office/drawing/2010/main" xmlns="">
+              <a14:hiddenFill xmlns="" xmlns:a14="http://schemas.microsoft.com/office/drawing/2010/main">
                 <a:solidFill>
                   <a:srgbClr val="FFFFFF"/>
                 </a:solidFill>
